--- a/RNWF11/media/boards/RNWF11_to_PC.pptx
+++ b/RNWF11/media/boards/RNWF11_to_PC.pptx
@@ -104,6 +104,11 @@
       </a:defRPr>
     </a:lvl9pPr>
   </p:defaultTextStyle>
+  <p:extLst>
+    <p:ext uri="{EFAFB233-063F-42B5-8137-9DF3F51BA10A}">
+      <p15:sldGuideLst xmlns:p15="http://schemas.microsoft.com/office/powerpoint/2012/main"/>
+    </p:ext>
+  </p:extLst>
 </p:presentation>
 </file>
 
@@ -254,7 +259,7 @@
           <a:p>
             <a:fld id="{A721224C-57D3-924A-9F57-880433E9CE2E}" type="datetimeFigureOut">
               <a:rPr lang="en-US" smtClean="0"/>
-              <a:t>12/21/23</a:t>
+              <a:t>12/22/23</a:t>
             </a:fld>
             <a:endParaRPr lang="en-US"/>
           </a:p>
@@ -452,7 +457,7 @@
           <a:p>
             <a:fld id="{A721224C-57D3-924A-9F57-880433E9CE2E}" type="datetimeFigureOut">
               <a:rPr lang="en-US" smtClean="0"/>
-              <a:t>12/21/23</a:t>
+              <a:t>12/22/23</a:t>
             </a:fld>
             <a:endParaRPr lang="en-US"/>
           </a:p>
@@ -660,7 +665,7 @@
           <a:p>
             <a:fld id="{A721224C-57D3-924A-9F57-880433E9CE2E}" type="datetimeFigureOut">
               <a:rPr lang="en-US" smtClean="0"/>
-              <a:t>12/21/23</a:t>
+              <a:t>12/22/23</a:t>
             </a:fld>
             <a:endParaRPr lang="en-US"/>
           </a:p>
@@ -858,7 +863,7 @@
           <a:p>
             <a:fld id="{A721224C-57D3-924A-9F57-880433E9CE2E}" type="datetimeFigureOut">
               <a:rPr lang="en-US" smtClean="0"/>
-              <a:t>12/21/23</a:t>
+              <a:t>12/22/23</a:t>
             </a:fld>
             <a:endParaRPr lang="en-US"/>
           </a:p>
@@ -1133,7 +1138,7 @@
           <a:p>
             <a:fld id="{A721224C-57D3-924A-9F57-880433E9CE2E}" type="datetimeFigureOut">
               <a:rPr lang="en-US" smtClean="0"/>
-              <a:t>12/21/23</a:t>
+              <a:t>12/22/23</a:t>
             </a:fld>
             <a:endParaRPr lang="en-US"/>
           </a:p>
@@ -1398,7 +1403,7 @@
           <a:p>
             <a:fld id="{A721224C-57D3-924A-9F57-880433E9CE2E}" type="datetimeFigureOut">
               <a:rPr lang="en-US" smtClean="0"/>
-              <a:t>12/21/23</a:t>
+              <a:t>12/22/23</a:t>
             </a:fld>
             <a:endParaRPr lang="en-US"/>
           </a:p>
@@ -1810,7 +1815,7 @@
           <a:p>
             <a:fld id="{A721224C-57D3-924A-9F57-880433E9CE2E}" type="datetimeFigureOut">
               <a:rPr lang="en-US" smtClean="0"/>
-              <a:t>12/21/23</a:t>
+              <a:t>12/22/23</a:t>
             </a:fld>
             <a:endParaRPr lang="en-US"/>
           </a:p>
@@ -1951,7 +1956,7 @@
           <a:p>
             <a:fld id="{A721224C-57D3-924A-9F57-880433E9CE2E}" type="datetimeFigureOut">
               <a:rPr lang="en-US" smtClean="0"/>
-              <a:t>12/21/23</a:t>
+              <a:t>12/22/23</a:t>
             </a:fld>
             <a:endParaRPr lang="en-US"/>
           </a:p>
@@ -2064,7 +2069,7 @@
           <a:p>
             <a:fld id="{A721224C-57D3-924A-9F57-880433E9CE2E}" type="datetimeFigureOut">
               <a:rPr lang="en-US" smtClean="0"/>
-              <a:t>12/21/23</a:t>
+              <a:t>12/22/23</a:t>
             </a:fld>
             <a:endParaRPr lang="en-US"/>
           </a:p>
@@ -2375,7 +2380,7 @@
           <a:p>
             <a:fld id="{A721224C-57D3-924A-9F57-880433E9CE2E}" type="datetimeFigureOut">
               <a:rPr lang="en-US" smtClean="0"/>
-              <a:t>12/21/23</a:t>
+              <a:t>12/22/23</a:t>
             </a:fld>
             <a:endParaRPr lang="en-US"/>
           </a:p>
@@ -2663,7 +2668,7 @@
           <a:p>
             <a:fld id="{A721224C-57D3-924A-9F57-880433E9CE2E}" type="datetimeFigureOut">
               <a:rPr lang="en-US" smtClean="0"/>
-              <a:t>12/21/23</a:t>
+              <a:t>12/22/23</a:t>
             </a:fld>
             <a:endParaRPr lang="en-US"/>
           </a:p>
@@ -2904,7 +2909,7 @@
           <a:p>
             <a:fld id="{A721224C-57D3-924A-9F57-880433E9CE2E}" type="datetimeFigureOut">
               <a:rPr lang="en-US" smtClean="0"/>
-              <a:t>12/21/23</a:t>
+              <a:t>12/22/23</a:t>
             </a:fld>
             <a:endParaRPr lang="en-US"/>
           </a:p>
@@ -3323,10 +3328,10 @@
       </p:grpSpPr>
       <p:pic>
         <p:nvPicPr>
-          <p:cNvPr id="12" name="Picture 11" descr="A computer with a blue screen&#10;&#10;Description automatically generated">
-            <a:extLst>
-              <a:ext uri="{FF2B5EF4-FFF2-40B4-BE49-F238E27FC236}">
-                <a16:creationId xmlns:a16="http://schemas.microsoft.com/office/drawing/2014/main" id="{2F26EA89-0248-531F-03B5-07B07A40BC91}"/>
+          <p:cNvPr id="4" name="Picture 3" descr="A close-up of a circuit board&#10;&#10;Description automatically generated">
+            <a:extLst>
+              <a:ext uri="{FF2B5EF4-FFF2-40B4-BE49-F238E27FC236}">
+                <a16:creationId xmlns:a16="http://schemas.microsoft.com/office/drawing/2014/main" id="{E2B8D062-C359-65E1-B1F5-2318B10E0871}"/>
               </a:ext>
             </a:extLst>
           </p:cNvPr>
@@ -3343,8 +3348,8 @@
         </p:blipFill>
         <p:spPr>
           <a:xfrm>
-            <a:off x="4294139" y="4427492"/>
-            <a:ext cx="2946400" cy="2349500"/>
+            <a:off x="3950356" y="1365811"/>
+            <a:ext cx="4354348" cy="1960043"/>
           </a:xfrm>
           <a:prstGeom prst="rect">
             <a:avLst/>
@@ -3353,10 +3358,10 @@
       </p:pic>
       <p:pic>
         <p:nvPicPr>
-          <p:cNvPr id="5" name="Picture 4" descr="A close-up of a red circuit board&#10;&#10;Description automatically generated">
-            <a:extLst>
-              <a:ext uri="{FF2B5EF4-FFF2-40B4-BE49-F238E27FC236}">
-                <a16:creationId xmlns:a16="http://schemas.microsoft.com/office/drawing/2014/main" id="{D711712F-5296-32F9-C937-DFD5A70ACC10}"/>
+          <p:cNvPr id="12" name="Picture 11" descr="A computer with a blue screen&#10;&#10;Description automatically generated">
+            <a:extLst>
+              <a:ext uri="{FF2B5EF4-FFF2-40B4-BE49-F238E27FC236}">
+                <a16:creationId xmlns:a16="http://schemas.microsoft.com/office/drawing/2014/main" id="{2F26EA89-0248-531F-03B5-07B07A40BC91}"/>
               </a:ext>
             </a:extLst>
           </p:cNvPr>
@@ -3373,8 +3378,8 @@
         </p:blipFill>
         <p:spPr>
           <a:xfrm>
-            <a:off x="3511550" y="1496196"/>
-            <a:ext cx="5168900" cy="1778000"/>
+            <a:off x="4393137" y="4317439"/>
+            <a:ext cx="2946400" cy="2349500"/>
           </a:xfrm>
           <a:prstGeom prst="rect">
             <a:avLst/>
@@ -3395,7 +3400,60 @@
         </p:nvSpPr>
         <p:spPr>
           <a:xfrm rot="16200000">
-            <a:off x="5831181" y="877672"/>
+            <a:off x="5735851" y="671978"/>
+            <a:ext cx="1585697" cy="914401"/>
+          </a:xfrm>
+          <a:prstGeom prst="leftArrow">
+            <a:avLst/>
+          </a:prstGeom>
+        </p:spPr>
+        <p:style>
+          <a:lnRef idx="2">
+            <a:schemeClr val="accent1">
+              <a:shade val="15000"/>
+            </a:schemeClr>
+          </a:lnRef>
+          <a:fillRef idx="1">
+            <a:schemeClr val="accent1"/>
+          </a:fillRef>
+          <a:effectRef idx="0">
+            <a:schemeClr val="accent1"/>
+          </a:effectRef>
+          <a:fontRef idx="minor">
+            <a:schemeClr val="lt1"/>
+          </a:fontRef>
+        </p:style>
+        <p:txBody>
+          <a:bodyPr rtlCol="0" anchor="ctr"/>
+          <a:lstStyle/>
+          <a:p>
+            <a:pPr algn="ctr"/>
+            <a:r>
+              <a:rPr lang="en-US" dirty="0">
+                <a:solidFill>
+                  <a:srgbClr val="FFFF00"/>
+                </a:solidFill>
+              </a:rPr>
+              <a:t>POWER LED</a:t>
+            </a:r>
+          </a:p>
+        </p:txBody>
+      </p:sp>
+      <p:sp>
+        <p:nvSpPr>
+          <p:cNvPr id="10" name="Left Arrow 9">
+            <a:extLst>
+              <a:ext uri="{FF2B5EF4-FFF2-40B4-BE49-F238E27FC236}">
+                <a16:creationId xmlns:a16="http://schemas.microsoft.com/office/drawing/2014/main" id="{0DF77799-48A3-1EA7-BE33-7B3EB3C6FC92}"/>
+              </a:ext>
+            </a:extLst>
+          </p:cNvPr>
+          <p:cNvSpPr/>
+          <p:nvPr/>
+        </p:nvSpPr>
+        <p:spPr>
+          <a:xfrm rot="16200000">
+            <a:off x="5192894" y="3208381"/>
             <a:ext cx="1346887" cy="914400"/>
           </a:xfrm>
           <a:prstGeom prst="leftArrow">
@@ -3429,17 +3487,17 @@
                   <a:srgbClr val="FFFF00"/>
                 </a:solidFill>
               </a:rPr>
-              <a:t>PWR LED</a:t>
-            </a:r>
-          </a:p>
-        </p:txBody>
-      </p:sp>
-      <p:sp>
-        <p:nvSpPr>
-          <p:cNvPr id="10" name="Left Arrow 9">
-            <a:extLst>
-              <a:ext uri="{FF2B5EF4-FFF2-40B4-BE49-F238E27FC236}">
-                <a16:creationId xmlns:a16="http://schemas.microsoft.com/office/drawing/2014/main" id="{0DF77799-48A3-1EA7-BE33-7B3EB3C6FC92}"/>
+              <a:t>TO PC</a:t>
+            </a:r>
+          </a:p>
+        </p:txBody>
+      </p:sp>
+      <p:sp>
+        <p:nvSpPr>
+          <p:cNvPr id="2" name="Oval 1">
+            <a:extLst>
+              <a:ext uri="{FF2B5EF4-FFF2-40B4-BE49-F238E27FC236}">
+                <a16:creationId xmlns:a16="http://schemas.microsoft.com/office/drawing/2014/main" id="{8E7180EE-DDDE-9D8F-7246-2DDC08DAF170}"/>
               </a:ext>
             </a:extLst>
           </p:cNvPr>
@@ -3447,13 +3505,19 @@
           <p:nvPr/>
         </p:nvSpPr>
         <p:spPr>
-          <a:xfrm rot="16200000">
-            <a:off x="5081539" y="3377856"/>
-            <a:ext cx="1346887" cy="914400"/>
+          <a:xfrm>
+            <a:off x="6376087" y="1949277"/>
+            <a:ext cx="284205" cy="274939"/>
           </a:xfrm>
-          <a:prstGeom prst="leftArrow">
+          <a:prstGeom prst="ellipse">
             <a:avLst/>
           </a:prstGeom>
+          <a:noFill/>
+          <a:ln w="38100">
+            <a:solidFill>
+              <a:srgbClr val="FFFF00"/>
+            </a:solidFill>
+          </a:ln>
         </p:spPr>
         <p:style>
           <a:lnRef idx="2">
@@ -3476,14 +3540,61 @@
           <a:lstStyle/>
           <a:p>
             <a:pPr algn="ctr"/>
-            <a:r>
-              <a:rPr lang="en-US" dirty="0">
-                <a:solidFill>
-                  <a:srgbClr val="FFFF00"/>
-                </a:solidFill>
-              </a:rPr>
-              <a:t>TO PC</a:t>
-            </a:r>
+            <a:endParaRPr lang="en-US"/>
+          </a:p>
+        </p:txBody>
+      </p:sp>
+      <p:sp>
+        <p:nvSpPr>
+          <p:cNvPr id="7" name="Rectangle 6">
+            <a:extLst>
+              <a:ext uri="{FF2B5EF4-FFF2-40B4-BE49-F238E27FC236}">
+                <a16:creationId xmlns:a16="http://schemas.microsoft.com/office/drawing/2014/main" id="{4DD4A6E7-F4E9-14CA-66E5-26390079E60C}"/>
+              </a:ext>
+            </a:extLst>
+          </p:cNvPr>
+          <p:cNvSpPr/>
+          <p:nvPr/>
+        </p:nvSpPr>
+        <p:spPr>
+          <a:xfrm>
+            <a:off x="6647936" y="2168198"/>
+            <a:ext cx="118880" cy="274939"/>
+          </a:xfrm>
+          <a:prstGeom prst="rect">
+            <a:avLst/>
+          </a:prstGeom>
+          <a:solidFill>
+            <a:schemeClr val="tx1"/>
+          </a:solidFill>
+          <a:ln>
+            <a:solidFill>
+              <a:srgbClr val="FFFF00"/>
+            </a:solidFill>
+          </a:ln>
+        </p:spPr>
+        <p:style>
+          <a:lnRef idx="2">
+            <a:schemeClr val="accent1">
+              <a:shade val="15000"/>
+            </a:schemeClr>
+          </a:lnRef>
+          <a:fillRef idx="1">
+            <a:schemeClr val="accent1"/>
+          </a:fillRef>
+          <a:effectRef idx="0">
+            <a:schemeClr val="accent1"/>
+          </a:effectRef>
+          <a:fontRef idx="minor">
+            <a:schemeClr val="lt1"/>
+          </a:fontRef>
+        </p:style>
+        <p:txBody>
+          <a:bodyPr rtlCol="0" anchor="ctr"/>
+          <a:lstStyle/>
+          <a:p>
+            <a:pPr algn="ctr"/>
+            <a:endParaRPr lang="en-US"/>
           </a:p>
         </p:txBody>
       </p:sp>

--- a/RNWF11/media/boards/RNWF11_to_PC.pptx
+++ b/RNWF11/media/boards/RNWF11_to_PC.pptx
@@ -3328,10 +3328,10 @@
       </p:grpSpPr>
       <p:pic>
         <p:nvPicPr>
-          <p:cNvPr id="4" name="Picture 3" descr="A close-up of a circuit board&#10;&#10;Description automatically generated">
-            <a:extLst>
-              <a:ext uri="{FF2B5EF4-FFF2-40B4-BE49-F238E27FC236}">
-                <a16:creationId xmlns:a16="http://schemas.microsoft.com/office/drawing/2014/main" id="{E2B8D062-C359-65E1-B1F5-2318B10E0871}"/>
+          <p:cNvPr id="3" name="Picture 2">
+            <a:extLst>
+              <a:ext uri="{FF2B5EF4-FFF2-40B4-BE49-F238E27FC236}">
+                <a16:creationId xmlns:a16="http://schemas.microsoft.com/office/drawing/2014/main" id="{B4A2338D-83FC-D647-4543-5FB40A02E61F}"/>
               </a:ext>
             </a:extLst>
           </p:cNvPr>
@@ -3347,9 +3347,9 @@
           </a:stretch>
         </p:blipFill>
         <p:spPr>
-          <a:xfrm>
-            <a:off x="3950356" y="1365811"/>
-            <a:ext cx="4354348" cy="1960043"/>
+          <a:xfrm rot="5400000">
+            <a:off x="5148773" y="155159"/>
+            <a:ext cx="1961070" cy="4354349"/>
           </a:xfrm>
           <a:prstGeom prst="rect">
             <a:avLst/>
@@ -3400,7 +3400,7 @@
         </p:nvSpPr>
         <p:spPr>
           <a:xfrm rot="16200000">
-            <a:off x="5735851" y="671978"/>
+            <a:off x="5725341" y="671978"/>
             <a:ext cx="1585697" cy="914401"/>
           </a:xfrm>
           <a:prstGeom prst="leftArrow">
@@ -3514,60 +3514,6 @@
           </a:prstGeom>
           <a:noFill/>
           <a:ln w="38100">
-            <a:solidFill>
-              <a:srgbClr val="FFFF00"/>
-            </a:solidFill>
-          </a:ln>
-        </p:spPr>
-        <p:style>
-          <a:lnRef idx="2">
-            <a:schemeClr val="accent1">
-              <a:shade val="15000"/>
-            </a:schemeClr>
-          </a:lnRef>
-          <a:fillRef idx="1">
-            <a:schemeClr val="accent1"/>
-          </a:fillRef>
-          <a:effectRef idx="0">
-            <a:schemeClr val="accent1"/>
-          </a:effectRef>
-          <a:fontRef idx="minor">
-            <a:schemeClr val="lt1"/>
-          </a:fontRef>
-        </p:style>
-        <p:txBody>
-          <a:bodyPr rtlCol="0" anchor="ctr"/>
-          <a:lstStyle/>
-          <a:p>
-            <a:pPr algn="ctr"/>
-            <a:endParaRPr lang="en-US"/>
-          </a:p>
-        </p:txBody>
-      </p:sp>
-      <p:sp>
-        <p:nvSpPr>
-          <p:cNvPr id="7" name="Rectangle 6">
-            <a:extLst>
-              <a:ext uri="{FF2B5EF4-FFF2-40B4-BE49-F238E27FC236}">
-                <a16:creationId xmlns:a16="http://schemas.microsoft.com/office/drawing/2014/main" id="{4DD4A6E7-F4E9-14CA-66E5-26390079E60C}"/>
-              </a:ext>
-            </a:extLst>
-          </p:cNvPr>
-          <p:cNvSpPr/>
-          <p:nvPr/>
-        </p:nvSpPr>
-        <p:spPr>
-          <a:xfrm>
-            <a:off x="6647936" y="2168198"/>
-            <a:ext cx="118880" cy="274939"/>
-          </a:xfrm>
-          <a:prstGeom prst="rect">
-            <a:avLst/>
-          </a:prstGeom>
-          <a:solidFill>
-            <a:schemeClr val="tx1"/>
-          </a:solidFill>
-          <a:ln>
             <a:solidFill>
               <a:srgbClr val="FFFF00"/>
             </a:solidFill>
